--- a/Seminarski rad/openwhisk.pptx
+++ b/Seminarski rad/openwhisk.pptx
@@ -403,7 +403,7 @@
             <a:fld id="{B61BEF0D-F0BB-DE4B-95CE-6DB70DBA9567}" type="datetimeFigureOut">
               <a:rPr lang="en-US" dirty="0"/>
               <a:pPr/>
-              <a:t>5/21/2022</a:t>
+              <a:t>5/30/2022</a:t>
             </a:fld>
             <a:endParaRPr lang="en-US" dirty="0"/>
           </a:p>
@@ -662,7 +662,7 @@
             <a:fld id="{B61BEF0D-F0BB-DE4B-95CE-6DB70DBA9567}" type="datetimeFigureOut">
               <a:rPr lang="en-US" dirty="0"/>
               <a:pPr/>
-              <a:t>5/21/2022</a:t>
+              <a:t>5/30/2022</a:t>
             </a:fld>
             <a:endParaRPr lang="en-US" dirty="0"/>
           </a:p>
@@ -894,7 +894,7 @@
             <a:fld id="{B61BEF0D-F0BB-DE4B-95CE-6DB70DBA9567}" type="datetimeFigureOut">
               <a:rPr lang="en-US" dirty="0"/>
               <a:pPr/>
-              <a:t>5/21/2022</a:t>
+              <a:t>5/30/2022</a:t>
             </a:fld>
             <a:endParaRPr lang="en-US" dirty="0"/>
           </a:p>
@@ -1131,7 +1131,7 @@
             <a:fld id="{B61BEF0D-F0BB-DE4B-95CE-6DB70DBA9567}" type="datetimeFigureOut">
               <a:rPr lang="en-US" dirty="0"/>
               <a:pPr/>
-              <a:t>5/21/2022</a:t>
+              <a:t>5/30/2022</a:t>
             </a:fld>
             <a:endParaRPr lang="en-US" dirty="0"/>
           </a:p>
@@ -1435,7 +1435,7 @@
             <a:fld id="{B61BEF0D-F0BB-DE4B-95CE-6DB70DBA9567}" type="datetimeFigureOut">
               <a:rPr lang="en-US" dirty="0"/>
               <a:pPr/>
-              <a:t>5/21/2022</a:t>
+              <a:t>5/30/2022</a:t>
             </a:fld>
             <a:endParaRPr lang="en-US" dirty="0"/>
           </a:p>
@@ -1734,7 +1734,7 @@
             <a:fld id="{B61BEF0D-F0BB-DE4B-95CE-6DB70DBA9567}" type="datetimeFigureOut">
               <a:rPr lang="en-US" dirty="0"/>
               <a:pPr/>
-              <a:t>5/21/2022</a:t>
+              <a:t>5/30/2022</a:t>
             </a:fld>
             <a:endParaRPr lang="en-US" dirty="0"/>
           </a:p>
@@ -2153,7 +2153,7 @@
             <a:fld id="{B61BEF0D-F0BB-DE4B-95CE-6DB70DBA9567}" type="datetimeFigureOut">
               <a:rPr lang="en-US" dirty="0"/>
               <a:pPr/>
-              <a:t>5/21/2022</a:t>
+              <a:t>5/30/2022</a:t>
             </a:fld>
             <a:endParaRPr lang="en-US" dirty="0"/>
           </a:p>
@@ -2245,7 +2245,7 @@
             <a:fld id="{B61BEF0D-F0BB-DE4B-95CE-6DB70DBA9567}" type="datetimeFigureOut">
               <a:rPr lang="en-US" dirty="0"/>
               <a:pPr/>
-              <a:t>5/21/2022</a:t>
+              <a:t>5/30/2022</a:t>
             </a:fld>
             <a:endParaRPr lang="en-US" dirty="0"/>
           </a:p>
@@ -2404,7 +2404,7 @@
             <a:fld id="{B61BEF0D-F0BB-DE4B-95CE-6DB70DBA9567}" type="datetimeFigureOut">
               <a:rPr lang="en-US" dirty="0"/>
               <a:pPr/>
-              <a:t>5/21/2022</a:t>
+              <a:t>5/30/2022</a:t>
             </a:fld>
             <a:endParaRPr lang="en-US" dirty="0"/>
           </a:p>
@@ -2779,7 +2779,7 @@
             <a:fld id="{B61BEF0D-F0BB-DE4B-95CE-6DB70DBA9567}" type="datetimeFigureOut">
               <a:rPr lang="en-US" dirty="0"/>
               <a:pPr/>
-              <a:t>5/21/2022</a:t>
+              <a:t>5/30/2022</a:t>
             </a:fld>
             <a:endParaRPr lang="en-US" dirty="0"/>
           </a:p>
@@ -3065,7 +3065,7 @@
             <a:fld id="{B61BEF0D-F0BB-DE4B-95CE-6DB70DBA9567}" type="datetimeFigureOut">
               <a:rPr lang="en-US" dirty="0"/>
               <a:pPr/>
-              <a:t>5/21/2022</a:t>
+              <a:t>5/30/2022</a:t>
             </a:fld>
             <a:endParaRPr lang="en-US" dirty="0"/>
           </a:p>
@@ -3273,7 +3273,7 @@
             <a:fld id="{B61BEF0D-F0BB-DE4B-95CE-6DB70DBA9567}" type="datetimeFigureOut">
               <a:rPr lang="en-US" dirty="0"/>
               <a:pPr/>
-              <a:t>5/21/2022</a:t>
+              <a:t>5/30/2022</a:t>
             </a:fld>
             <a:endParaRPr lang="en-US" dirty="0"/>
           </a:p>
@@ -4236,7 +4236,7 @@
                   <a:schemeClr val="tx1"/>
                 </a:solidFill>
               </a:rPr>
-              <a:t>sa nalogom na aplikaciji Twillio</a:t>
+              <a:t>sa nalogom na aplikaciji Twilio</a:t>
             </a:r>
             <a:r>
               <a:rPr lang="en-US" sz="1800" dirty="0">
@@ -4457,7 +4457,15 @@
           <a:p>
             <a:r>
               <a:rPr lang="sr-Latn-RS" dirty="0"/>
-              <a:t>U slučaju neblokirajućeg poziva, sistem vraća aktivacioni ID kako bi potvrdio da je poziv za izvršenje primljen. Ukoliko je došlo do nekih problem, kao što je pad mreže ili neka greška koja se javila pre primanja HTTP zahteva, moguće je da nastupi situacija u kojoj je OpenWhisk primio i obradio zahtev.</a:t>
+              <a:t>U slučaju neblokirajućeg poziva, sistem vraća aktivacioni ID kako bi potvrdio da je poziv za izvršenje primljen. Ukoliko je došlo do nekih problem</a:t>
+            </a:r>
+            <a:r>
+              <a:rPr lang="en-US" dirty="0"/>
+              <a:t>a</a:t>
+            </a:r>
+            <a:r>
+              <a:rPr lang="sr-Latn-RS" dirty="0"/>
+              <a:t>, kao što je pad mreže ili neka greška koja se javila pre primanja HTTP zahteva, moguće je da nastupi situacija u kojoj je OpenWhisk primio i obradio zahtev.</a:t>
             </a:r>
           </a:p>
           <a:p>
@@ -6725,10 +6733,10 @@
       </p:pic>
       <p:pic>
         <p:nvPicPr>
-          <p:cNvPr id="10" name="Picture 9">
-            <a:extLst>
-              <a:ext uri="{FF2B5EF4-FFF2-40B4-BE49-F238E27FC236}">
-                <a16:creationId xmlns:a16="http://schemas.microsoft.com/office/drawing/2014/main" id="{1B66F916-74BF-E4ED-D818-87C2D11F3022}"/>
+          <p:cNvPr id="12" name="Picture 11">
+            <a:extLst>
+              <a:ext uri="{FF2B5EF4-FFF2-40B4-BE49-F238E27FC236}">
+                <a16:creationId xmlns:a16="http://schemas.microsoft.com/office/drawing/2014/main" id="{D6F82A0C-6F17-8D0E-CC27-CFC9E66AF861}"/>
               </a:ext>
             </a:extLst>
           </p:cNvPr>
@@ -6739,36 +6747,6 @@
         </p:nvPicPr>
         <p:blipFill>
           <a:blip r:embed="rId4"/>
-          <a:stretch>
-            <a:fillRect/>
-          </a:stretch>
-        </p:blipFill>
-        <p:spPr>
-          <a:xfrm>
-            <a:off x="1099185" y="3749490"/>
-            <a:ext cx="6256020" cy="327660"/>
-          </a:xfrm>
-          <a:prstGeom prst="rect">
-            <a:avLst/>
-          </a:prstGeom>
-        </p:spPr>
-      </p:pic>
-      <p:pic>
-        <p:nvPicPr>
-          <p:cNvPr id="12" name="Picture 11">
-            <a:extLst>
-              <a:ext uri="{FF2B5EF4-FFF2-40B4-BE49-F238E27FC236}">
-                <a16:creationId xmlns:a16="http://schemas.microsoft.com/office/drawing/2014/main" id="{D6F82A0C-6F17-8D0E-CC27-CFC9E66AF861}"/>
-              </a:ext>
-            </a:extLst>
-          </p:cNvPr>
-          <p:cNvPicPr>
-            <a:picLocks noChangeAspect="1"/>
-          </p:cNvPicPr>
-          <p:nvPr/>
-        </p:nvPicPr>
-        <p:blipFill>
-          <a:blip r:embed="rId5"/>
           <a:stretch>
             <a:fillRect/>
           </a:stretch>
@@ -6833,6 +6811,36 @@
           </a:p>
         </p:txBody>
       </p:sp>
+      <p:pic>
+        <p:nvPicPr>
+          <p:cNvPr id="7" name="Picture 6">
+            <a:extLst>
+              <a:ext uri="{FF2B5EF4-FFF2-40B4-BE49-F238E27FC236}">
+                <a16:creationId xmlns:a16="http://schemas.microsoft.com/office/drawing/2014/main" id="{5D055B0E-D395-40CE-78F2-80645F1FE356}"/>
+              </a:ext>
+            </a:extLst>
+          </p:cNvPr>
+          <p:cNvPicPr>
+            <a:picLocks noChangeAspect="1"/>
+          </p:cNvPicPr>
+          <p:nvPr/>
+        </p:nvPicPr>
+        <p:blipFill>
+          <a:blip r:embed="rId5"/>
+          <a:stretch>
+            <a:fillRect/>
+          </a:stretch>
+        </p:blipFill>
+        <p:spPr>
+          <a:xfrm>
+            <a:off x="1251585" y="3790894"/>
+            <a:ext cx="6103620" cy="358140"/>
+          </a:xfrm>
+          <a:prstGeom prst="rect">
+            <a:avLst/>
+          </a:prstGeom>
+        </p:spPr>
+      </p:pic>
     </p:spTree>
     <p:extLst>
       <p:ext uri="{BB962C8B-B14F-4D97-AF65-F5344CB8AC3E}">
@@ -9585,7 +9593,7 @@
           <a:p>
             <a:r>
               <a:rPr lang="sr-Latn-RS" dirty="0"/>
-              <a:t>Prostori imena kao i aktivacioni endpoint-i podržavaju jedino GET zahteve.</a:t>
+              <a:t>Prostori imena kao i aktivacioni endpoint-i podržavaju GET zahteve.</a:t>
             </a:r>
           </a:p>
           <a:p>
@@ -11763,7 +11771,7 @@
             </a:pPr>
             <a:r>
               <a:rPr lang="en-US" dirty="0"/>
-              <a:t>wsk action invoke --blocking --result -p from "+17655607120" -p to „</a:t>
+              <a:t>wsk action invoke --blocking --result -p from "+17655607120" -p to “</a:t>
             </a:r>
             <a:r>
               <a:rPr lang="sr-Latn-RS" dirty="0"/>
